--- a/presentation/base_code_and_WPILIB.pptx
+++ b/presentation/base_code_and_WPILIB.pptx
@@ -1156,7 +1156,7 @@
           <a:p>
             <a:fld id="{FCBEA1C3-C405-460F-AD10-CC443D7778CB}" type="datetimeFigureOut">
               <a:rPr lang="he-IL" smtClean="0"/>
-              <a:t>כ"ט/חשון/תשע"ט</a:t>
+              <a:t>ל'/חשון/תשע"ט</a:t>
             </a:fld>
             <a:endParaRPr lang="he-IL"/>
           </a:p>
@@ -2478,7 +2478,7 @@
           <a:p>
             <a:fld id="{FCBEA1C3-C405-460F-AD10-CC443D7778CB}" type="datetimeFigureOut">
               <a:rPr lang="he-IL" smtClean="0"/>
-              <a:t>כ"ט/חשון/תשע"ט</a:t>
+              <a:t>ל'/חשון/תשע"ט</a:t>
             </a:fld>
             <a:endParaRPr lang="he-IL"/>
           </a:p>
@@ -3513,7 +3513,7 @@
           <a:p>
             <a:fld id="{FCBEA1C3-C405-460F-AD10-CC443D7778CB}" type="datetimeFigureOut">
               <a:rPr lang="he-IL" smtClean="0"/>
-              <a:t>כ"ט/חשון/תשע"ט</a:t>
+              <a:t>ל'/חשון/תשע"ט</a:t>
             </a:fld>
             <a:endParaRPr lang="he-IL"/>
           </a:p>
@@ -4901,7 +4901,7 @@
           <a:p>
             <a:fld id="{FCBEA1C3-C405-460F-AD10-CC443D7778CB}" type="datetimeFigureOut">
               <a:rPr lang="he-IL" smtClean="0"/>
-              <a:t>כ"ט/חשון/תשע"ט</a:t>
+              <a:t>ל'/חשון/תשע"ט</a:t>
             </a:fld>
             <a:endParaRPr lang="he-IL"/>
           </a:p>
@@ -5936,7 +5936,7 @@
           <a:p>
             <a:fld id="{FCBEA1C3-C405-460F-AD10-CC443D7778CB}" type="datetimeFigureOut">
               <a:rPr lang="he-IL" smtClean="0"/>
-              <a:t>כ"ט/חשון/תשע"ט</a:t>
+              <a:t>ל'/חשון/תשע"ט</a:t>
             </a:fld>
             <a:endParaRPr lang="he-IL"/>
           </a:p>
@@ -7324,7 +7324,7 @@
           <a:p>
             <a:fld id="{FCBEA1C3-C405-460F-AD10-CC443D7778CB}" type="datetimeFigureOut">
               <a:rPr lang="he-IL" smtClean="0"/>
-              <a:t>כ"ט/חשון/תשע"ט</a:t>
+              <a:t>ל'/חשון/תשע"ט</a:t>
             </a:fld>
             <a:endParaRPr lang="he-IL"/>
           </a:p>
@@ -8602,7 +8602,7 @@
           <a:p>
             <a:fld id="{FCBEA1C3-C405-460F-AD10-CC443D7778CB}" type="datetimeFigureOut">
               <a:rPr lang="he-IL" smtClean="0"/>
-              <a:t>כ"ט/חשון/תשע"ט</a:t>
+              <a:t>ל'/חשון/תשע"ט</a:t>
             </a:fld>
             <a:endParaRPr lang="he-IL"/>
           </a:p>
@@ -9637,7 +9637,7 @@
           <a:p>
             <a:fld id="{FCBEA1C3-C405-460F-AD10-CC443D7778CB}" type="datetimeFigureOut">
               <a:rPr lang="he-IL" smtClean="0"/>
-              <a:t>כ"ט/חשון/תשע"ט</a:t>
+              <a:t>ל'/חשון/תשע"ט</a:t>
             </a:fld>
             <a:endParaRPr lang="he-IL"/>
           </a:p>
@@ -10672,7 +10672,7 @@
           <a:p>
             <a:fld id="{FCBEA1C3-C405-460F-AD10-CC443D7778CB}" type="datetimeFigureOut">
               <a:rPr lang="he-IL" smtClean="0"/>
-              <a:t>כ"ט/חשון/תשע"ט</a:t>
+              <a:t>ל'/חשון/תשע"ט</a:t>
             </a:fld>
             <a:endParaRPr lang="he-IL"/>
           </a:p>
@@ -12271,7 +12271,7 @@
           <a:p>
             <a:fld id="{FCBEA1C3-C405-460F-AD10-CC443D7778CB}" type="datetimeFigureOut">
               <a:rPr lang="he-IL" smtClean="0"/>
-              <a:t>כ"ט/חשון/תשע"ט</a:t>
+              <a:t>ל'/חשון/תשע"ט</a:t>
             </a:fld>
             <a:endParaRPr lang="he-IL"/>
           </a:p>
@@ -13315,7 +13315,7 @@
           <a:p>
             <a:fld id="{FCBEA1C3-C405-460F-AD10-CC443D7778CB}" type="datetimeFigureOut">
               <a:rPr lang="he-IL" smtClean="0"/>
-              <a:t>כ"ט/חשון/תשע"ט</a:t>
+              <a:t>ל'/חשון/תשע"ט</a:t>
             </a:fld>
             <a:endParaRPr lang="he-IL"/>
           </a:p>
@@ -14593,7 +14593,7 @@
           <a:p>
             <a:fld id="{FCBEA1C3-C405-460F-AD10-CC443D7778CB}" type="datetimeFigureOut">
               <a:rPr lang="he-IL" smtClean="0"/>
-              <a:t>כ"ט/חשון/תשע"ט</a:t>
+              <a:t>ל'/חשון/תשע"ט</a:t>
             </a:fld>
             <a:endParaRPr lang="he-IL"/>
           </a:p>
@@ -16357,7 +16357,7 @@
           <a:p>
             <a:fld id="{FCBEA1C3-C405-460F-AD10-CC443D7778CB}" type="datetimeFigureOut">
               <a:rPr lang="he-IL" smtClean="0"/>
-              <a:t>כ"ט/חשון/תשע"ט</a:t>
+              <a:t>ל'/חשון/תשע"ט</a:t>
             </a:fld>
             <a:endParaRPr lang="he-IL"/>
           </a:p>
@@ -17149,7 +17149,7 @@
           <a:p>
             <a:fld id="{FCBEA1C3-C405-460F-AD10-CC443D7778CB}" type="datetimeFigureOut">
               <a:rPr lang="he-IL" smtClean="0"/>
-              <a:t>כ"ט/חשון/תשע"ט</a:t>
+              <a:t>ל'/חשון/תשע"ט</a:t>
             </a:fld>
             <a:endParaRPr lang="he-IL"/>
           </a:p>
@@ -17762,7 +17762,7 @@
           <a:p>
             <a:fld id="{FCBEA1C3-C405-460F-AD10-CC443D7778CB}" type="datetimeFigureOut">
               <a:rPr lang="he-IL" smtClean="0"/>
-              <a:t>כ"ט/חשון/תשע"ט</a:t>
+              <a:t>ל'/חשון/תשע"ט</a:t>
             </a:fld>
             <a:endParaRPr lang="he-IL"/>
           </a:p>
@@ -19040,7 +19040,7 @@
           <a:p>
             <a:fld id="{FCBEA1C3-C405-460F-AD10-CC443D7778CB}" type="datetimeFigureOut">
               <a:rPr lang="he-IL" smtClean="0"/>
-              <a:t>כ"ט/חשון/תשע"ט</a:t>
+              <a:t>ל'/חשון/תשע"ט</a:t>
             </a:fld>
             <a:endParaRPr lang="he-IL"/>
           </a:p>
@@ -20326,7 +20326,7 @@
           <a:p>
             <a:fld id="{FCBEA1C3-C405-460F-AD10-CC443D7778CB}" type="datetimeFigureOut">
               <a:rPr lang="he-IL" smtClean="0"/>
-              <a:t>כ"ט/חשון/תשע"ט</a:t>
+              <a:t>ל'/חשון/תשע"ט</a:t>
             </a:fld>
             <a:endParaRPr lang="he-IL"/>
           </a:p>
@@ -21664,7 +21664,7 @@
           <a:p>
             <a:fld id="{FCBEA1C3-C405-460F-AD10-CC443D7778CB}" type="datetimeFigureOut">
               <a:rPr lang="he-IL" smtClean="0"/>
-              <a:t>כ"ט/חשון/תשע"ט</a:t>
+              <a:t>ל'/חשון/תשע"ט</a:t>
             </a:fld>
             <a:endParaRPr lang="he-IL"/>
           </a:p>
@@ -22997,7 +22997,11 @@
             </a:r>
             <a:r>
               <a:rPr lang="he-IL" dirty="0" smtClean="0"/>
-              <a:t>הצהרה על המערכת שנמצאת בשימוש, ע"י פקודת </a:t>
+              <a:t>הצהרה על המערכת שנמצאת </a:t>
+            </a:r>
+            <a:r>
+              <a:rPr lang="he-IL" dirty="0" smtClean="0"/>
+              <a:t>בשימוש – פעולת </a:t>
             </a:r>
             <a:r>
               <a:rPr lang="en-US" dirty="0" smtClean="0"/>
@@ -25639,11 +25643,7 @@
             </a:pPr>
             <a:r>
               <a:rPr lang="he-IL" dirty="0" smtClean="0"/>
-              <a:t>שיטת </a:t>
-            </a:r>
-            <a:r>
-              <a:rPr lang="he-IL" dirty="0" smtClean="0"/>
-              <a:t>הכתיבה: </a:t>
+              <a:t>שיטת הכתיבה: </a:t>
             </a:r>
             <a:r>
               <a:rPr lang="en-US" dirty="0" smtClean="0"/>
@@ -26416,11 +26416,7 @@
             </a:pPr>
             <a:r>
               <a:rPr lang="he-IL" dirty="0" smtClean="0"/>
-              <a:t>כל </a:t>
-            </a:r>
-            <a:r>
-              <a:rPr lang="he-IL" dirty="0" smtClean="0"/>
-              <a:t>מערכת מקבלת יישום משל עצמה במחלקה (</a:t>
+              <a:t>כל מערכת מקבלת יישום משל עצמה במחלקה (</a:t>
             </a:r>
             <a:r>
               <a:rPr lang="en-US" dirty="0" smtClean="0"/>
@@ -26437,19 +26433,11 @@
             </a:pPr>
             <a:r>
               <a:rPr lang="he-IL" dirty="0" smtClean="0"/>
-              <a:t>    </a:t>
-            </a:r>
-            <a:r>
-              <a:rPr lang="he-IL" dirty="0" smtClean="0"/>
-              <a:t>      </a:t>
+              <a:t>          </a:t>
             </a:r>
             <a:r>
               <a:rPr lang="he-IL" u="sng" dirty="0" smtClean="0"/>
-              <a:t>דוגמאות</a:t>
-            </a:r>
-            <a:r>
-              <a:rPr lang="he-IL" u="sng" dirty="0" smtClean="0"/>
-              <a:t>:</a:t>
+              <a:t>דוגמאות:</a:t>
             </a:r>
           </a:p>
           <a:p>
@@ -26517,29 +26505,16 @@
             </a:r>
             <a:r>
               <a:rPr lang="he-IL" dirty="0" smtClean="0"/>
-              <a:t>   </a:t>
+              <a:t>          </a:t>
+            </a:r>
+            <a:r>
+              <a:rPr lang="he-IL" u="sng" dirty="0" smtClean="0"/>
+              <a:t>דוגמה:</a:t>
             </a:r>
             <a:r>
               <a:rPr lang="he-IL" dirty="0" smtClean="0"/>
-              <a:t>       </a:t>
+              <a:t> פיצול מערכת נסיעה לנסיעה ולהחלפת שיפטרים</a:t>
             </a:r>
-            <a:r>
-              <a:rPr lang="he-IL" u="sng" dirty="0" smtClean="0"/>
-              <a:t>דוגמה</a:t>
-            </a:r>
-            <a:r>
-              <a:rPr lang="he-IL" u="sng" dirty="0" smtClean="0"/>
-              <a:t>:</a:t>
-            </a:r>
-            <a:r>
-              <a:rPr lang="he-IL" dirty="0" smtClean="0"/>
-              <a:t> פיצול מערכת נסיעה לנסיעה ולהחלפת </a:t>
-            </a:r>
-            <a:r>
-              <a:rPr lang="he-IL" dirty="0" smtClean="0"/>
-              <a:t>שיפטרים</a:t>
-            </a:r>
-            <a:endParaRPr lang="he-IL" dirty="0" smtClean="0"/>
           </a:p>
           <a:p>
             <a:pPr>
@@ -26673,7 +26648,15 @@
             </a:r>
             <a:r>
               <a:rPr lang="he-IL" dirty="0" smtClean="0"/>
-              <a:t>הגדרת החלקים הקשורים למערכת (בקרי מהירות, סוויצ'ים...)בתור שדות</a:t>
+              <a:t>הגדרת החלקים הקשורים למערכת (בקרי מהירות, סוויצ'ים</a:t>
+            </a:r>
+            <a:r>
+              <a:rPr lang="he-IL" dirty="0" smtClean="0"/>
+              <a:t>...) בתור </a:t>
+            </a:r>
+            <a:r>
+              <a:rPr lang="he-IL" dirty="0" smtClean="0"/>
+              <a:t>שדות</a:t>
             </a:r>
             <a:r>
               <a:rPr lang="en-US" dirty="0" smtClean="0"/>
@@ -26820,7 +26803,7 @@
       </p:sp>
       <p:pic>
         <p:nvPicPr>
-          <p:cNvPr id="5" name="Picture 4"/>
+          <p:cNvPr id="6" name="Picture 5"/>
           <p:cNvPicPr>
             <a:picLocks noChangeAspect="1"/>
           </p:cNvPicPr>
@@ -26834,8 +26817,8 @@
         </p:blipFill>
         <p:spPr>
           <a:xfrm>
-            <a:off x="2519082" y="732807"/>
-            <a:ext cx="7135906" cy="6013190"/>
+            <a:off x="2515160" y="732807"/>
+            <a:ext cx="7143750" cy="6010275"/>
           </a:xfrm>
           <a:prstGeom prst="rect">
             <a:avLst/>
@@ -26931,11 +26914,7 @@
             </a:pPr>
             <a:r>
               <a:rPr lang="he-IL" dirty="0" smtClean="0"/>
-              <a:t> כל </a:t>
-            </a:r>
-            <a:r>
-              <a:rPr lang="he-IL" dirty="0" smtClean="0"/>
-              <a:t>פקודה של כל מערכת מקבלת יישום משל עצמה במחלקה (</a:t>
+              <a:t> כל פקודה של כל מערכת מקבלת יישום משל עצמה במחלקה (</a:t>
             </a:r>
             <a:r>
               <a:rPr lang="en-US" dirty="0" smtClean="0"/>
@@ -27064,7 +27043,6 @@
               <a:rPr lang="he-IL" dirty="0" smtClean="0"/>
               <a:t>                 - טיפוס משתמשת במערכת של הטיפוס</a:t>
             </a:r>
-            <a:endParaRPr lang="he-IL" dirty="0" smtClean="0"/>
           </a:p>
         </p:txBody>
       </p:sp>
